--- a/intro_slide.pptx
+++ b/intro_slide.pptx
@@ -107,6 +107,11 @@
       </a:defRPr>
     </a:lvl9pPr>
   </p:defaultTextStyle>
+  <p:extLst>
+    <p:ext uri="{EFAFB233-063F-42B5-8137-9DF3F51BA10A}">
+      <p15:sldGuideLst xmlns:p15="http://schemas.microsoft.com/office/powerpoint/2012/main"/>
+    </p:ext>
+  </p:extLst>
 </p:presentation>
 </file>
 
@@ -123,12 +128,12 @@
   <pc:docChgLst>
     <pc:chgData name="sschenk@student.ubc.ca" userId="b2f3f786-26c0-415b-b8fc-6368ef7c0540" providerId="ADAL" clId="{B1CD05C5-08CE-43ED-9367-92BCA2DC5108}"/>
     <pc:docChg chg="custSel modSld">
-      <pc:chgData name="sschenk@student.ubc.ca" userId="b2f3f786-26c0-415b-b8fc-6368ef7c0540" providerId="ADAL" clId="{B1CD05C5-08CE-43ED-9367-92BCA2DC5108}" dt="2023-10-23T18:27:29.565" v="10" actId="478"/>
+      <pc:chgData name="sschenk@student.ubc.ca" userId="b2f3f786-26c0-415b-b8fc-6368ef7c0540" providerId="ADAL" clId="{B1CD05C5-08CE-43ED-9367-92BCA2DC5108}" dt="2023-10-23T18:40:26.432" v="75" actId="20577"/>
       <pc:docMkLst>
         <pc:docMk/>
       </pc:docMkLst>
-      <pc:sldChg chg="addSp delSp modSp mod">
-        <pc:chgData name="sschenk@student.ubc.ca" userId="b2f3f786-26c0-415b-b8fc-6368ef7c0540" providerId="ADAL" clId="{B1CD05C5-08CE-43ED-9367-92BCA2DC5108}" dt="2023-10-23T18:27:29.565" v="10" actId="478"/>
+      <pc:sldChg chg="addSp delSp modSp mod modNotesTx">
+        <pc:chgData name="sschenk@student.ubc.ca" userId="b2f3f786-26c0-415b-b8fc-6368ef7c0540" providerId="ADAL" clId="{B1CD05C5-08CE-43ED-9367-92BCA2DC5108}" dt="2023-10-23T18:40:26.432" v="75" actId="20577"/>
         <pc:sldMkLst>
           <pc:docMk/>
           <pc:sldMk cId="1694307422" sldId="256"/>
@@ -544,6 +549,28 @@
             <a:r>
               <a:rPr lang="en-CA" dirty="0"/>
               <a:t>Remember to go back to why people need to know what I am telling them.</a:t>
+            </a:r>
+          </a:p>
+          <a:p>
+            <a:r>
+              <a:rPr lang="en-CA" dirty="0"/>
+              <a:t>10 min for </a:t>
+            </a:r>
+            <a:r>
+              <a:rPr lang="en-CA" dirty="0" err="1"/>
+              <a:t>ui</a:t>
+            </a:r>
+            <a:r>
+              <a:rPr lang="en-CA" dirty="0"/>
+              <a:t> and 10 min for server build </a:t>
+            </a:r>
+            <a:r>
+              <a:rPr lang="en-CA"/>
+              <a:t>at the en</a:t>
+            </a:r>
+            <a:r>
+              <a:rPr lang="en-CA" dirty="0"/>
+              <a:t>d</a:t>
             </a:r>
           </a:p>
         </p:txBody>
